--- a/psychometric_scale/stuff/instructionsIDSSR30.pptx
+++ b/psychometric_scale/stuff/instructionsIDSSR30.pptx
@@ -241,7 +241,7 @@
           <a:p>
             <a:fld id="{44A49107-9334-444B-909C-23B4DE8E069D}" type="datetimeFigureOut">
               <a:rPr lang="fr-FR" smtClean="0"/>
-              <a:t>15/04/2018</a:t>
+              <a:t>30/05/2018</a:t>
             </a:fld>
             <a:endParaRPr lang="fr-FR"/>
           </a:p>
@@ -283,7 +283,7 @@
           <a:p>
             <a:fld id="{8E474E87-316C-4201-83D8-6EEAD59357E5}" type="slidenum">
               <a:rPr lang="fr-FR" smtClean="0"/>
-              <a:t>‹N°›</a:t>
+              <a:t>‹#›</a:t>
             </a:fld>
             <a:endParaRPr lang="fr-FR"/>
           </a:p>
@@ -409,7 +409,7 @@
           <a:p>
             <a:fld id="{44A49107-9334-444B-909C-23B4DE8E069D}" type="datetimeFigureOut">
               <a:rPr lang="fr-FR" smtClean="0"/>
-              <a:t>15/04/2018</a:t>
+              <a:t>30/05/2018</a:t>
             </a:fld>
             <a:endParaRPr lang="fr-FR"/>
           </a:p>
@@ -451,7 +451,7 @@
           <a:p>
             <a:fld id="{8E474E87-316C-4201-83D8-6EEAD59357E5}" type="slidenum">
               <a:rPr lang="fr-FR" smtClean="0"/>
-              <a:t>‹N°›</a:t>
+              <a:t>‹#›</a:t>
             </a:fld>
             <a:endParaRPr lang="fr-FR"/>
           </a:p>
@@ -587,7 +587,7 @@
           <a:p>
             <a:fld id="{44A49107-9334-444B-909C-23B4DE8E069D}" type="datetimeFigureOut">
               <a:rPr lang="fr-FR" smtClean="0"/>
-              <a:t>15/04/2018</a:t>
+              <a:t>30/05/2018</a:t>
             </a:fld>
             <a:endParaRPr lang="fr-FR"/>
           </a:p>
@@ -629,7 +629,7 @@
           <a:p>
             <a:fld id="{8E474E87-316C-4201-83D8-6EEAD59357E5}" type="slidenum">
               <a:rPr lang="fr-FR" smtClean="0"/>
-              <a:t>‹N°›</a:t>
+              <a:t>‹#›</a:t>
             </a:fld>
             <a:endParaRPr lang="fr-FR"/>
           </a:p>
@@ -755,7 +755,7 @@
           <a:p>
             <a:fld id="{44A49107-9334-444B-909C-23B4DE8E069D}" type="datetimeFigureOut">
               <a:rPr lang="fr-FR" smtClean="0"/>
-              <a:t>15/04/2018</a:t>
+              <a:t>30/05/2018</a:t>
             </a:fld>
             <a:endParaRPr lang="fr-FR"/>
           </a:p>
@@ -797,7 +797,7 @@
           <a:p>
             <a:fld id="{8E474E87-316C-4201-83D8-6EEAD59357E5}" type="slidenum">
               <a:rPr lang="fr-FR" smtClean="0"/>
-              <a:t>‹N°›</a:t>
+              <a:t>‹#›</a:t>
             </a:fld>
             <a:endParaRPr lang="fr-FR"/>
           </a:p>
@@ -1000,7 +1000,7 @@
           <a:p>
             <a:fld id="{44A49107-9334-444B-909C-23B4DE8E069D}" type="datetimeFigureOut">
               <a:rPr lang="fr-FR" smtClean="0"/>
-              <a:t>15/04/2018</a:t>
+              <a:t>30/05/2018</a:t>
             </a:fld>
             <a:endParaRPr lang="fr-FR"/>
           </a:p>
@@ -1042,7 +1042,7 @@
           <a:p>
             <a:fld id="{8E474E87-316C-4201-83D8-6EEAD59357E5}" type="slidenum">
               <a:rPr lang="fr-FR" smtClean="0"/>
-              <a:t>‹N°›</a:t>
+              <a:t>‹#›</a:t>
             </a:fld>
             <a:endParaRPr lang="fr-FR"/>
           </a:p>
@@ -1229,7 +1229,7 @@
           <a:p>
             <a:fld id="{44A49107-9334-444B-909C-23B4DE8E069D}" type="datetimeFigureOut">
               <a:rPr lang="fr-FR" smtClean="0"/>
-              <a:t>15/04/2018</a:t>
+              <a:t>30/05/2018</a:t>
             </a:fld>
             <a:endParaRPr lang="fr-FR"/>
           </a:p>
@@ -1271,7 +1271,7 @@
           <a:p>
             <a:fld id="{8E474E87-316C-4201-83D8-6EEAD59357E5}" type="slidenum">
               <a:rPr lang="fr-FR" smtClean="0"/>
-              <a:t>‹N°›</a:t>
+              <a:t>‹#›</a:t>
             </a:fld>
             <a:endParaRPr lang="fr-FR"/>
           </a:p>
@@ -1593,7 +1593,7 @@
           <a:p>
             <a:fld id="{44A49107-9334-444B-909C-23B4DE8E069D}" type="datetimeFigureOut">
               <a:rPr lang="fr-FR" smtClean="0"/>
-              <a:t>15/04/2018</a:t>
+              <a:t>30/05/2018</a:t>
             </a:fld>
             <a:endParaRPr lang="fr-FR"/>
           </a:p>
@@ -1635,7 +1635,7 @@
           <a:p>
             <a:fld id="{8E474E87-316C-4201-83D8-6EEAD59357E5}" type="slidenum">
               <a:rPr lang="fr-FR" smtClean="0"/>
-              <a:t>‹N°›</a:t>
+              <a:t>‹#›</a:t>
             </a:fld>
             <a:endParaRPr lang="fr-FR"/>
           </a:p>
@@ -1710,7 +1710,7 @@
           <a:p>
             <a:fld id="{44A49107-9334-444B-909C-23B4DE8E069D}" type="datetimeFigureOut">
               <a:rPr lang="fr-FR" smtClean="0"/>
-              <a:t>15/04/2018</a:t>
+              <a:t>30/05/2018</a:t>
             </a:fld>
             <a:endParaRPr lang="fr-FR"/>
           </a:p>
@@ -1752,7 +1752,7 @@
           <a:p>
             <a:fld id="{8E474E87-316C-4201-83D8-6EEAD59357E5}" type="slidenum">
               <a:rPr lang="fr-FR" smtClean="0"/>
-              <a:t>‹N°›</a:t>
+              <a:t>‹#›</a:t>
             </a:fld>
             <a:endParaRPr lang="fr-FR"/>
           </a:p>
@@ -1805,7 +1805,7 @@
           <a:p>
             <a:fld id="{44A49107-9334-444B-909C-23B4DE8E069D}" type="datetimeFigureOut">
               <a:rPr lang="fr-FR" smtClean="0"/>
-              <a:t>15/04/2018</a:t>
+              <a:t>30/05/2018</a:t>
             </a:fld>
             <a:endParaRPr lang="fr-FR"/>
           </a:p>
@@ -1847,7 +1847,7 @@
           <a:p>
             <a:fld id="{8E474E87-316C-4201-83D8-6EEAD59357E5}" type="slidenum">
               <a:rPr lang="fr-FR" smtClean="0"/>
-              <a:t>‹N°›</a:t>
+              <a:t>‹#›</a:t>
             </a:fld>
             <a:endParaRPr lang="fr-FR"/>
           </a:p>
@@ -2080,7 +2080,7 @@
           <a:p>
             <a:fld id="{44A49107-9334-444B-909C-23B4DE8E069D}" type="datetimeFigureOut">
               <a:rPr lang="fr-FR" smtClean="0"/>
-              <a:t>15/04/2018</a:t>
+              <a:t>30/05/2018</a:t>
             </a:fld>
             <a:endParaRPr lang="fr-FR"/>
           </a:p>
@@ -2122,7 +2122,7 @@
           <a:p>
             <a:fld id="{8E474E87-316C-4201-83D8-6EEAD59357E5}" type="slidenum">
               <a:rPr lang="fr-FR" smtClean="0"/>
-              <a:t>‹N°›</a:t>
+              <a:t>‹#›</a:t>
             </a:fld>
             <a:endParaRPr lang="fr-FR"/>
           </a:p>
@@ -2332,7 +2332,7 @@
           <a:p>
             <a:fld id="{44A49107-9334-444B-909C-23B4DE8E069D}" type="datetimeFigureOut">
               <a:rPr lang="fr-FR" smtClean="0"/>
-              <a:t>15/04/2018</a:t>
+              <a:t>30/05/2018</a:t>
             </a:fld>
             <a:endParaRPr lang="fr-FR"/>
           </a:p>
@@ -2374,7 +2374,7 @@
           <a:p>
             <a:fld id="{8E474E87-316C-4201-83D8-6EEAD59357E5}" type="slidenum">
               <a:rPr lang="fr-FR" smtClean="0"/>
-              <a:t>‹N°›</a:t>
+              <a:t>‹#›</a:t>
             </a:fld>
             <a:endParaRPr lang="fr-FR"/>
           </a:p>
@@ -2543,7 +2543,7 @@
           <a:p>
             <a:fld id="{44A49107-9334-444B-909C-23B4DE8E069D}" type="datetimeFigureOut">
               <a:rPr lang="fr-FR" smtClean="0"/>
-              <a:t>15/04/2018</a:t>
+              <a:t>30/05/2018</a:t>
             </a:fld>
             <a:endParaRPr lang="fr-FR"/>
           </a:p>
@@ -2621,7 +2621,7 @@
           <a:p>
             <a:fld id="{8E474E87-316C-4201-83D8-6EEAD59357E5}" type="slidenum">
               <a:rPr lang="fr-FR" smtClean="0"/>
-              <a:t>‹N°›</a:t>
+              <a:t>‹#›</a:t>
             </a:fld>
             <a:endParaRPr lang="fr-FR"/>
           </a:p>
@@ -2958,14 +2958,20 @@
       </p:grpSpPr>
       <p:sp>
         <p:nvSpPr>
-          <p:cNvPr id="4" name="ZoneTexte 3"/>
+          <p:cNvPr id="6" name="ZoneTexte 3">
+            <a:extLst>
+              <a:ext uri="{FF2B5EF4-FFF2-40B4-BE49-F238E27FC236}">
+                <a16:creationId xmlns:a16="http://schemas.microsoft.com/office/drawing/2014/main" id="{34DFFA38-8F13-9641-959B-5FA82ACEA412}"/>
+              </a:ext>
+            </a:extLst>
+          </p:cNvPr>
           <p:cNvSpPr txBox="1"/>
           <p:nvPr/>
         </p:nvSpPr>
         <p:spPr>
           <a:xfrm>
-            <a:off x="367392" y="1412422"/>
-            <a:ext cx="11291207" cy="1077218"/>
+            <a:off x="450397" y="550061"/>
+            <a:ext cx="11291207" cy="3046988"/>
           </a:xfrm>
           <a:prstGeom prst="rect">
             <a:avLst/>
@@ -2980,18 +2986,51 @@
           <a:p>
             <a:pPr algn="ctr"/>
             <a:r>
-              <a:rPr lang="fr-FR" sz="3200">
+              <a:rPr lang="fr-FR" sz="3200" b="1" dirty="0">
+                <a:solidFill>
+                  <a:schemeClr val="bg1"/>
+                </a:solidFill>
+              </a:rPr>
+              <a:t>INVENTAIRE DE SYMPTOMATOLOGIE DÉPRESSIVE</a:t>
+            </a:r>
+          </a:p>
+          <a:p>
+            <a:pPr algn="ctr"/>
+            <a:r>
+              <a:rPr lang="fr-FR" sz="3200" b="1" dirty="0">
+                <a:solidFill>
+                  <a:schemeClr val="bg1"/>
+                </a:solidFill>
+              </a:rPr>
+              <a:t>(IDS-SR 30)</a:t>
+            </a:r>
+          </a:p>
+          <a:p>
+            <a:pPr algn="ctr"/>
+            <a:endParaRPr lang="fr-FR" sz="3200" b="1" dirty="0">
+              <a:solidFill>
+                <a:schemeClr val="bg1"/>
+              </a:solidFill>
+            </a:endParaRPr>
+          </a:p>
+          <a:p>
+            <a:pPr algn="ctr"/>
+            <a:endParaRPr lang="fr-FR" sz="3200" b="1" dirty="0">
+              <a:solidFill>
+                <a:schemeClr val="bg1"/>
+              </a:solidFill>
+            </a:endParaRPr>
+          </a:p>
+          <a:p>
+            <a:pPr algn="ctr"/>
+            <a:r>
+              <a:rPr lang="fr-FR" sz="3200" dirty="0">
                 <a:solidFill>
                   <a:schemeClr val="bg1"/>
                 </a:solidFill>
               </a:rPr>
               <a:t>Pour chaque item, choisissez l'énoncé qui vous décrit le mieux au cours des sept derniers jours.</a:t>
             </a:r>
-            <a:endParaRPr lang="fr-FR" sz="3200" dirty="0">
-              <a:solidFill>
-                <a:schemeClr val="bg1"/>
-              </a:solidFill>
-            </a:endParaRPr>
           </a:p>
         </p:txBody>
       </p:sp>
